--- a/slides.pptx
+++ b/slides.pptx
@@ -304,7 +304,7 @@
           <a:p>
             <a:fld id="{F5D67128-0ED3-F84C-AB75-26956BD6F773}" type="datetimeFigureOut">
               <a:rPr lang="en-US" smtClean="0"/>
-              <a:t>5/26/21</a:t>
+              <a:t>8/28/2021</a:t>
             </a:fld>
             <a:endParaRPr lang="en-US"/>
           </a:p>
@@ -481,7 +481,7 @@
           <a:p>
             <a:fld id="{9E65F564-29A8-0243-B41B-CCCF740F82F1}" type="datetimeFigureOut">
               <a:rPr lang="en-US" smtClean="0"/>
-              <a:t>5/26/21</a:t>
+              <a:t>8/28/2021</a:t>
             </a:fld>
             <a:endParaRPr lang="en-US"/>
           </a:p>
@@ -870,7 +870,7 @@
           <a:p>
             <a:fld id="{D18B56EA-E28F-4F92-9F16-7A6F2501B303}" type="datetime8">
               <a:rPr lang="en-US" smtClean="0"/>
-              <a:t>5/26/21 4:45 PM</a:t>
+              <a:t>8/28/2021 10:56 AM</a:t>
             </a:fld>
             <a:endParaRPr lang="en-US"/>
           </a:p>
@@ -958,21 +958,21 @@
           <a:lstStyle/>
           <a:p>
             <a:r>
-              <a:rPr lang="en-US"/>
+              <a:rPr lang="en-US" dirty="0"/>
               <a:t>The specific permission required will depend on the operation you want to perform. For example, if you're creating, editing or deleting a group, one of the *write* permissions is required.</a:t>
             </a:r>
           </a:p>
           <a:p>
-            <a:endParaRPr lang="en-US"/>
-          </a:p>
-          <a:p>
-            <a:r>
-              <a:rPr lang="en-US"/>
+            <a:endParaRPr lang="en-US" dirty="0"/>
+          </a:p>
+          <a:p>
+            <a:r>
+              <a:rPr lang="en-US" dirty="0"/>
               <a:t>Granting any of the group related-operations to an app requires administrator consent.</a:t>
             </a:r>
           </a:p>
           <a:p>
-            <a:endParaRPr lang="en-US"/>
+            <a:endParaRPr lang="en-US" dirty="0"/>
           </a:p>
           <a:p>
             <a:pPr marL="171450" indent="-171450">
@@ -980,10 +980,10 @@
               <a:buChar char="•"/>
             </a:pPr>
             <a:r>
-              <a:rPr lang="en-US" err="1"/>
+              <a:rPr lang="en-US" dirty="0" err="1"/>
               <a:t>Group.Read.All</a:t>
             </a:r>
-            <a:endParaRPr lang="en-US"/>
+            <a:endParaRPr lang="en-US" dirty="0"/>
           </a:p>
           <a:p>
             <a:pPr marL="171450" indent="-171450">
@@ -991,10 +991,10 @@
               <a:buChar char="•"/>
             </a:pPr>
             <a:r>
-              <a:rPr lang="en-US" err="1"/>
+              <a:rPr lang="en-US" dirty="0" err="1"/>
               <a:t>Directory.Read.All</a:t>
             </a:r>
-            <a:endParaRPr lang="en-US"/>
+            <a:endParaRPr lang="en-US" dirty="0"/>
           </a:p>
           <a:p>
             <a:pPr marL="171450" indent="-171450">
@@ -1002,10 +1002,10 @@
               <a:buChar char="•"/>
             </a:pPr>
             <a:r>
-              <a:rPr lang="en-US" err="1"/>
+              <a:rPr lang="en-US" dirty="0" err="1"/>
               <a:t>Group.ReadWrite.All</a:t>
             </a:r>
-            <a:endParaRPr lang="en-US"/>
+            <a:endParaRPr lang="en-US" dirty="0"/>
           </a:p>
           <a:p>
             <a:pPr marL="171450" indent="-171450">
@@ -1013,10 +1013,10 @@
               <a:buChar char="•"/>
             </a:pPr>
             <a:r>
-              <a:rPr lang="en-US" err="1"/>
+              <a:rPr lang="en-US" dirty="0" err="1"/>
               <a:t>Directory.ReadWrite.All</a:t>
             </a:r>
-            <a:endParaRPr lang="en-US"/>
+            <a:endParaRPr lang="en-US" dirty="0"/>
           </a:p>
           <a:p>
             <a:pPr marL="171450" indent="-171450">
@@ -1024,10 +1024,10 @@
               <a:buChar char="•"/>
             </a:pPr>
             <a:r>
-              <a:rPr lang="en-US" err="1"/>
+              <a:rPr lang="en-US" dirty="0" err="1"/>
               <a:t>Directory.AccessAsUser.All</a:t>
             </a:r>
-            <a:endParaRPr lang="en-US"/>
+            <a:endParaRPr lang="en-US" dirty="0"/>
           </a:p>
         </p:txBody>
       </p:sp>
@@ -1105,7 +1105,7 @@
           <a:p>
             <a:fld id="{D18B56EA-E28F-4F92-9F16-7A6F2501B303}" type="datetime8">
               <a:rPr lang="en-US" smtClean="0"/>
-              <a:t>5/26/21 4:45 PM</a:t>
+              <a:t>8/28/2021 10:56 AM</a:t>
             </a:fld>
             <a:endParaRPr lang="en-US"/>
           </a:p>
@@ -1308,7 +1308,7 @@
           <a:p>
             <a:fld id="{D18B56EA-E28F-4F92-9F16-7A6F2501B303}" type="datetime8">
               <a:rPr lang="en-US" smtClean="0"/>
-              <a:t>5/26/21 4:45 PM</a:t>
+              <a:t>8/28/2021 10:56 AM</a:t>
             </a:fld>
             <a:endParaRPr lang="en-US"/>
           </a:p>
@@ -1524,7 +1524,7 @@
           <a:p>
             <a:fld id="{D18B56EA-E28F-4F92-9F16-7A6F2501B303}" type="datetime8">
               <a:rPr lang="en-US" smtClean="0"/>
-              <a:t>5/26/21 4:45 PM</a:t>
+              <a:t>8/28/2021 10:56 AM</a:t>
             </a:fld>
             <a:endParaRPr lang="en-US"/>
           </a:p>
@@ -1689,7 +1689,7 @@
           <a:p>
             <a:fld id="{D18B56EA-E28F-4F92-9F16-7A6F2501B303}" type="datetime8">
               <a:rPr lang="en-US" smtClean="0"/>
-              <a:t>5/26/21 4:45 PM</a:t>
+              <a:t>8/28/2021 10:56 AM</a:t>
             </a:fld>
             <a:endParaRPr lang="en-US"/>
           </a:p>
@@ -1854,7 +1854,7 @@
           <a:p>
             <a:fld id="{D18B56EA-E28F-4F92-9F16-7A6F2501B303}" type="datetime8">
               <a:rPr lang="en-US" smtClean="0"/>
-              <a:t>5/26/21 4:45 PM</a:t>
+              <a:t>8/28/2021 10:56 AM</a:t>
             </a:fld>
             <a:endParaRPr lang="en-US"/>
           </a:p>
@@ -2094,7 +2094,7 @@
           <a:p>
             <a:fld id="{D18B56EA-E28F-4F92-9F16-7A6F2501B303}" type="datetime8">
               <a:rPr lang="en-US" smtClean="0"/>
-              <a:t>5/26/21 4:45 PM</a:t>
+              <a:t>8/28/2021 10:56 AM</a:t>
             </a:fld>
             <a:endParaRPr lang="en-US"/>
           </a:p>
@@ -2262,7 +2262,7 @@
           <a:p>
             <a:fld id="{D18B56EA-E28F-4F92-9F16-7A6F2501B303}" type="datetime8">
               <a:rPr lang="en-US" smtClean="0"/>
-              <a:t>5/26/21 4:45 PM</a:t>
+              <a:t>8/28/2021 10:56 AM</a:t>
             </a:fld>
             <a:endParaRPr lang="en-US"/>
           </a:p>
@@ -2430,7 +2430,7 @@
           <a:p>
             <a:fld id="{D18B56EA-E28F-4F92-9F16-7A6F2501B303}" type="datetime8">
               <a:rPr lang="en-US" smtClean="0"/>
-              <a:t>5/26/21 4:45 PM</a:t>
+              <a:t>8/28/2021 10:56 AM</a:t>
             </a:fld>
             <a:endParaRPr lang="en-US"/>
           </a:p>
@@ -2649,7 +2649,7 @@
           <a:p>
             <a:fld id="{D18B56EA-E28F-4F92-9F16-7A6F2501B303}" type="datetime8">
               <a:rPr lang="en-US" smtClean="0"/>
-              <a:t>5/26/21 4:45 PM</a:t>
+              <a:t>8/28/2021 10:56 AM</a:t>
             </a:fld>
             <a:endParaRPr lang="en-US"/>
           </a:p>
@@ -2814,7 +2814,7 @@
           <a:p>
             <a:fld id="{D18B56EA-E28F-4F92-9F16-7A6F2501B303}" type="datetime8">
               <a:rPr lang="en-US" smtClean="0"/>
-              <a:t>5/26/21 4:45 PM</a:t>
+              <a:t>8/28/2021 10:56 AM</a:t>
             </a:fld>
             <a:endParaRPr lang="en-US"/>
           </a:p>
@@ -3087,7 +3087,7 @@
                 <a:tabLst/>
                 <a:defRPr/>
               </a:pPr>
-              <a:t>5/26/21</a:t>
+              <a:t>8/28/2021</a:t>
             </a:fld>
             <a:endParaRPr kumimoji="0" lang="en-US" sz="1800" b="0" i="0" u="none" strike="noStrike" kern="0" cap="none" spc="0" normalizeH="0" baseline="0" noProof="0" dirty="0">
               <a:ln>
@@ -3315,7 +3315,7 @@
           <a:p>
             <a:fld id="{D18B56EA-E28F-4F92-9F16-7A6F2501B303}" type="datetime8">
               <a:rPr lang="en-US" smtClean="0"/>
-              <a:t>5/26/21 4:45 PM</a:t>
+              <a:t>8/28/2021 10:56 AM</a:t>
             </a:fld>
             <a:endParaRPr lang="en-US"/>
           </a:p>
@@ -3587,7 +3587,7 @@
           <a:p>
             <a:fld id="{D18B56EA-E28F-4F92-9F16-7A6F2501B303}" type="datetime8">
               <a:rPr lang="en-US" smtClean="0"/>
-              <a:t>5/26/21 4:45 PM</a:t>
+              <a:t>8/28/2021 10:56 AM</a:t>
             </a:fld>
             <a:endParaRPr lang="en-US"/>
           </a:p>
@@ -3752,7 +3752,7 @@
           <a:p>
             <a:fld id="{D18B56EA-E28F-4F92-9F16-7A6F2501B303}" type="datetime8">
               <a:rPr lang="en-US" smtClean="0"/>
-              <a:t>5/26/21 4:45 PM</a:t>
+              <a:t>8/28/2021 10:57 AM</a:t>
             </a:fld>
             <a:endParaRPr lang="en-US"/>
           </a:p>
@@ -3917,7 +3917,7 @@
           <a:p>
             <a:fld id="{D18B56EA-E28F-4F92-9F16-7A6F2501B303}" type="datetime8">
               <a:rPr lang="en-US" smtClean="0"/>
-              <a:t>5/26/21 4:45 PM</a:t>
+              <a:t>8/28/2021 10:57 AM</a:t>
             </a:fld>
             <a:endParaRPr lang="en-US"/>
           </a:p>
@@ -4096,7 +4096,7 @@
           <a:p>
             <a:fld id="{D18B56EA-E28F-4F92-9F16-7A6F2501B303}" type="datetime8">
               <a:rPr lang="en-US" smtClean="0"/>
-              <a:t>5/26/21 4:52 PM</a:t>
+              <a:t>8/28/2021 10:57 AM</a:t>
             </a:fld>
             <a:endParaRPr lang="en-US"/>
           </a:p>
@@ -4264,7 +4264,7 @@
           <a:p>
             <a:fld id="{D18B56EA-E28F-4F92-9F16-7A6F2501B303}" type="datetime8">
               <a:rPr lang="en-US" smtClean="0"/>
-              <a:t>5/26/21 4:45 PM</a:t>
+              <a:t>8/28/2021 10:57 AM</a:t>
             </a:fld>
             <a:endParaRPr lang="en-US"/>
           </a:p>
@@ -4447,7 +4447,7 @@
           <a:p>
             <a:fld id="{D18B56EA-E28F-4F92-9F16-7A6F2501B303}" type="datetime8">
               <a:rPr lang="en-US" smtClean="0"/>
-              <a:t>5/26/21 4:45 PM</a:t>
+              <a:t>8/28/2021 10:57 AM</a:t>
             </a:fld>
             <a:endParaRPr lang="en-US"/>
           </a:p>
@@ -4612,7 +4612,7 @@
           <a:p>
             <a:fld id="{D18B56EA-E28F-4F92-9F16-7A6F2501B303}" type="datetime8">
               <a:rPr lang="en-US" smtClean="0"/>
-              <a:t>5/26/21 4:45 PM</a:t>
+              <a:t>8/28/2021 10:57 AM</a:t>
             </a:fld>
             <a:endParaRPr lang="en-US"/>
           </a:p>
@@ -4831,7 +4831,7 @@
           <a:p>
             <a:fld id="{D18B56EA-E28F-4F92-9F16-7A6F2501B303}" type="datetime8">
               <a:rPr lang="en-US" smtClean="0"/>
-              <a:t>5/26/21 4:46 PM</a:t>
+              <a:t>8/28/2021 10:56 AM</a:t>
             </a:fld>
             <a:endParaRPr lang="en-US" dirty="0"/>
           </a:p>
@@ -5058,7 +5058,7 @@
           <a:p>
             <a:fld id="{D18B56EA-E28F-4F92-9F16-7A6F2501B303}" type="datetime8">
               <a:rPr lang="en-US" smtClean="0"/>
-              <a:t>5/26/21 4:46 PM</a:t>
+              <a:t>8/28/2021 10:56 AM</a:t>
             </a:fld>
             <a:endParaRPr lang="en-US" dirty="0"/>
           </a:p>
@@ -5281,7 +5281,7 @@
           <a:p>
             <a:fld id="{D18B56EA-E28F-4F92-9F16-7A6F2501B303}" type="datetime8">
               <a:rPr lang="en-US" smtClean="0"/>
-              <a:t>5/26/21 4:46 PM</a:t>
+              <a:t>8/28/2021 10:56 AM</a:t>
             </a:fld>
             <a:endParaRPr lang="en-US" dirty="0"/>
           </a:p>
@@ -5473,7 +5473,7 @@
           <a:p>
             <a:fld id="{D18B56EA-E28F-4F92-9F16-7A6F2501B303}" type="datetime8">
               <a:rPr lang="en-US" smtClean="0"/>
-              <a:t>5/26/21 4:46 PM</a:t>
+              <a:t>8/28/2021 10:56 AM</a:t>
             </a:fld>
             <a:endParaRPr lang="en-US" dirty="0"/>
           </a:p>
@@ -5638,7 +5638,7 @@
           <a:p>
             <a:fld id="{E74353ED-ACB2-44BF-A903-985B0AF962B7}" type="datetime1">
               <a:rPr lang="en-US" smtClean="0"/>
-              <a:t>5/26/21</a:t>
+              <a:t>8/28/2021</a:t>
             </a:fld>
             <a:endParaRPr lang="en-US" dirty="0"/>
           </a:p>
@@ -5895,7 +5895,7 @@
           <a:p>
             <a:fld id="{D18B56EA-E28F-4F92-9F16-7A6F2501B303}" type="datetime8">
               <a:rPr lang="en-US" smtClean="0"/>
-              <a:t>5/26/21 4:45 PM</a:t>
+              <a:t>8/28/2021 10:56 AM</a:t>
             </a:fld>
             <a:endParaRPr lang="en-US"/>
           </a:p>
@@ -6091,7 +6091,7 @@
           <a:p>
             <a:fld id="{D18B56EA-E28F-4F92-9F16-7A6F2501B303}" type="datetime8">
               <a:rPr lang="en-US" smtClean="0"/>
-              <a:t>5/26/21 4:45 PM</a:t>
+              <a:t>8/28/2021 10:56 AM</a:t>
             </a:fld>
             <a:endParaRPr lang="en-US"/>
           </a:p>
@@ -12419,7 +12419,7 @@
             <a:pPr lvl="1"/>
             <a:r>
               <a:rPr lang="en-US" dirty="0"/>
-              <a:t>User’s cannot grant consent to the permission</a:t>
+              <a:t>Users cannot grant consent to the permission</a:t>
             </a:r>
           </a:p>
           <a:p>
@@ -27057,6 +27057,14 @@
 </file>
 
 <file path=customXml/item1.xml><?xml version="1.0" encoding="utf-8"?>
+<p:properties xmlns:p="http://schemas.microsoft.com/office/2006/metadata/properties" xmlns:xsi="http://www.w3.org/2001/XMLSchema-instance" xmlns:pc="http://schemas.microsoft.com/office/infopath/2007/PartnerControls">
+  <documentManagement>
+    <MediaServiceKeyPoints xmlns="61b79488-63fd-46f4-b1bf-09cb63d2085e" xsi:nil="true"/>
+  </documentManagement>
+</p:properties>
+</file>
+
+<file path=customXml/item2.xml><?xml version="1.0" encoding="utf-8"?>
 <ct:contentTypeSchema xmlns:ct="http://schemas.microsoft.com/office/2006/metadata/contentType" xmlns:ma="http://schemas.microsoft.com/office/2006/metadata/properties/metaAttributes" ct:_="" ma:_="" ma:contentTypeName="Document" ma:contentTypeID="0x010100F09820594E7B0041BAC4DECBBC892FF9" ma:contentTypeVersion="8" ma:contentTypeDescription="Create a new document." ma:contentTypeScope="" ma:versionID="a4814d1cc1d58eee3ea03778ca413c81">
   <xsd:schema xmlns:xsd="http://www.w3.org/2001/XMLSchema" xmlns:xs="http://www.w3.org/2001/XMLSchema" xmlns:p="http://schemas.microsoft.com/office/2006/metadata/properties" xmlns:ns2="61b79488-63fd-46f4-b1bf-09cb63d2085e" targetNamespace="http://schemas.microsoft.com/office/2006/metadata/properties" ma:root="true" ma:fieldsID="40fb5444c5ccb72d5b900b723022c04a" ns2:_="">
     <xsd:import namespace="61b79488-63fd-46f4-b1bf-09cb63d2085e"/>
@@ -27228,14 +27236,6 @@
 </ct:contentTypeSchema>
 </file>
 
-<file path=customXml/item2.xml><?xml version="1.0" encoding="utf-8"?>
-<p:properties xmlns:p="http://schemas.microsoft.com/office/2006/metadata/properties" xmlns:xsi="http://www.w3.org/2001/XMLSchema-instance" xmlns:pc="http://schemas.microsoft.com/office/infopath/2007/PartnerControls">
-  <documentManagement>
-    <MediaServiceKeyPoints xmlns="61b79488-63fd-46f4-b1bf-09cb63d2085e" xsi:nil="true"/>
-  </documentManagement>
-</p:properties>
-</file>
-
 <file path=customXml/item3.xml><?xml version="1.0" encoding="utf-8"?>
 <?mso-contentType ?>
 <FormTemplates xmlns="http://schemas.microsoft.com/sharepoint/v3/contenttype/forms">
@@ -27246,6 +27246,22 @@
 </file>
 
 <file path=customXml/itemProps1.xml><?xml version="1.0" encoding="utf-8"?>
+<ds:datastoreItem xmlns:ds="http://schemas.openxmlformats.org/officeDocument/2006/customXml" ds:itemID="{56E9BD92-A245-451A-82D6-41724A6593BA}">
+  <ds:schemaRefs>
+    <ds:schemaRef ds:uri="http://purl.org/dc/elements/1.1/"/>
+    <ds:schemaRef ds:uri="http://schemas.microsoft.com/office/2006/documentManagement/types"/>
+    <ds:schemaRef ds:uri="http://purl.org/dc/dcmitype/"/>
+    <ds:schemaRef ds:uri="http://schemas.microsoft.com/office/infopath/2007/PartnerControls"/>
+    <ds:schemaRef ds:uri="http://schemas.openxmlformats.org/package/2006/metadata/core-properties"/>
+    <ds:schemaRef ds:uri="http://purl.org/dc/terms/"/>
+    <ds:schemaRef ds:uri="http://schemas.microsoft.com/office/2006/metadata/properties"/>
+    <ds:schemaRef ds:uri="http://www.w3.org/XML/1998/namespace"/>
+    <ds:schemaRef ds:uri="61b79488-63fd-46f4-b1bf-09cb63d2085e"/>
+  </ds:schemaRefs>
+</ds:datastoreItem>
+</file>
+
+<file path=customXml/itemProps2.xml><?xml version="1.0" encoding="utf-8"?>
 <ds:datastoreItem xmlns:ds="http://schemas.openxmlformats.org/officeDocument/2006/customXml" ds:itemID="{535C360C-FC5A-43F7-BF1D-FA69DEF501D3}">
   <ds:schemaRefs>
     <ds:schemaRef ds:uri="http://schemas.microsoft.com/office/2006/metadata/contentType"/>
@@ -27263,22 +27279,6 @@
 </ds:datastoreItem>
 </file>
 
-<file path=customXml/itemProps2.xml><?xml version="1.0" encoding="utf-8"?>
-<ds:datastoreItem xmlns:ds="http://schemas.openxmlformats.org/officeDocument/2006/customXml" ds:itemID="{56E9BD92-A245-451A-82D6-41724A6593BA}">
-  <ds:schemaRefs>
-    <ds:schemaRef ds:uri="http://purl.org/dc/elements/1.1/"/>
-    <ds:schemaRef ds:uri="http://schemas.microsoft.com/office/2006/documentManagement/types"/>
-    <ds:schemaRef ds:uri="http://purl.org/dc/dcmitype/"/>
-    <ds:schemaRef ds:uri="http://schemas.microsoft.com/office/infopath/2007/PartnerControls"/>
-    <ds:schemaRef ds:uri="http://schemas.openxmlformats.org/package/2006/metadata/core-properties"/>
-    <ds:schemaRef ds:uri="http://purl.org/dc/terms/"/>
-    <ds:schemaRef ds:uri="http://schemas.microsoft.com/office/2006/metadata/properties"/>
-    <ds:schemaRef ds:uri="http://www.w3.org/XML/1998/namespace"/>
-    <ds:schemaRef ds:uri="61b79488-63fd-46f4-b1bf-09cb63d2085e"/>
-  </ds:schemaRefs>
-</ds:datastoreItem>
-</file>
-
 <file path=customXml/itemProps3.xml><?xml version="1.0" encoding="utf-8"?>
 <ds:datastoreItem xmlns:ds="http://schemas.openxmlformats.org/officeDocument/2006/customXml" ds:itemID="{4875BE8C-CB08-400E-A21F-2497FF16C77B}">
   <ds:schemaRefs>
